--- a/Documents/Presentation/Presentation Draft.pptx
+++ b/Documents/Presentation/Presentation Draft.pptx
@@ -243,7 +243,7 @@
           <a:p>
             <a:fld id="{02F56A17-B4CD-4C7D-9388-F0FE325049E6}" type="datetimeFigureOut">
               <a:rPr lang="en-GB" smtClean="0"/>
-              <a:t>16/03/2023</a:t>
+              <a:t>20/04/2023</a:t>
             </a:fld>
             <a:endParaRPr lang="en-GB"/>
           </a:p>
@@ -420,7 +420,7 @@
           <a:p>
             <a:fld id="{40BC3938-7338-4383-8557-333A40433B41}" type="datetimeFigureOut">
               <a:rPr lang="en-GB" smtClean="0"/>
-              <a:t>16/03/2023</a:t>
+              <a:t>20/04/2023</a:t>
             </a:fld>
             <a:endParaRPr lang="en-GB"/>
           </a:p>
@@ -1526,6 +1526,90 @@
 </file>
 
 <file path=ppt/notesSlides/notesSlide18.xml><?xml version="1.0" encoding="utf-8"?>
+<p:notes xmlns:a="http://schemas.openxmlformats.org/drawingml/2006/main" xmlns:r="http://schemas.openxmlformats.org/officeDocument/2006/relationships" xmlns:p="http://schemas.openxmlformats.org/presentationml/2006/main">
+  <p:cSld>
+    <p:spTree>
+      <p:nvGrpSpPr>
+        <p:cNvPr id="1" name=""/>
+        <p:cNvGrpSpPr/>
+        <p:nvPr/>
+      </p:nvGrpSpPr>
+      <p:grpSpPr>
+        <a:xfrm>
+          <a:off x="0" y="0"/>
+          <a:ext cx="0" cy="0"/>
+          <a:chOff x="0" y="0"/>
+          <a:chExt cx="0" cy="0"/>
+        </a:xfrm>
+      </p:grpSpPr>
+      <p:sp>
+        <p:nvSpPr>
+          <p:cNvPr id="2" name="Slide Image Placeholder 1"/>
+          <p:cNvSpPr>
+            <a:spLocks noGrp="1" noRot="1" noChangeAspect="1"/>
+          </p:cNvSpPr>
+          <p:nvPr>
+            <p:ph type="sldImg"/>
+          </p:nvPr>
+        </p:nvSpPr>
+        <p:spPr/>
+      </p:sp>
+      <p:sp>
+        <p:nvSpPr>
+          <p:cNvPr id="3" name="Notes Placeholder 2"/>
+          <p:cNvSpPr>
+            <a:spLocks noGrp="1"/>
+          </p:cNvSpPr>
+          <p:nvPr>
+            <p:ph type="body" idx="1"/>
+          </p:nvPr>
+        </p:nvSpPr>
+        <p:spPr/>
+        <p:txBody>
+          <a:bodyPr/>
+          <a:lstStyle/>
+          <a:p>
+            <a:endParaRPr lang="en-GB" dirty="0"/>
+          </a:p>
+        </p:txBody>
+      </p:sp>
+      <p:sp>
+        <p:nvSpPr>
+          <p:cNvPr id="4" name="Slide Number Placeholder 3"/>
+          <p:cNvSpPr>
+            <a:spLocks noGrp="1"/>
+          </p:cNvSpPr>
+          <p:nvPr>
+            <p:ph type="sldNum" sz="quarter" idx="5"/>
+          </p:nvPr>
+        </p:nvSpPr>
+        <p:spPr/>
+        <p:txBody>
+          <a:bodyPr/>
+          <a:lstStyle/>
+          <a:p>
+            <a:fld id="{BA81ACEA-6232-433F-864C-E4D14040DCE0}" type="slidenum">
+              <a:rPr lang="en-GB" smtClean="0"/>
+              <a:t>24</a:t>
+            </a:fld>
+            <a:endParaRPr lang="en-GB"/>
+          </a:p>
+        </p:txBody>
+      </p:sp>
+    </p:spTree>
+    <p:extLst>
+      <p:ext uri="{BB962C8B-B14F-4D97-AF65-F5344CB8AC3E}">
+        <p14:creationId xmlns:p14="http://schemas.microsoft.com/office/powerpoint/2010/main" val="1025174181"/>
+      </p:ext>
+    </p:extLst>
+  </p:cSld>
+  <p:clrMapOvr>
+    <a:masterClrMapping/>
+  </p:clrMapOvr>
+</p:notes>
+</file>
+
+<file path=ppt/notesSlides/notesSlide19.xml><?xml version="1.0" encoding="utf-8"?>
 <p:notes xmlns:a="http://schemas.openxmlformats.org/drawingml/2006/main" xmlns:r="http://schemas.openxmlformats.org/officeDocument/2006/relationships" xmlns:p="http://schemas.openxmlformats.org/presentationml/2006/main">
   <p:cSld>
     <p:spTree>
@@ -3247,7 +3331,7 @@
           <a:p>
             <a:fld id="{D2420793-031C-4ADB-A567-DC1F189C180B}" type="datetimeFigureOut">
               <a:rPr lang="en-GB" smtClean="0"/>
-              <a:t>16/03/2023</a:t>
+              <a:t>20/04/2023</a:t>
             </a:fld>
             <a:endParaRPr lang="en-GB"/>
           </a:p>
@@ -3498,7 +3582,7 @@
           <a:p>
             <a:fld id="{D2420793-031C-4ADB-A567-DC1F189C180B}" type="datetimeFigureOut">
               <a:rPr lang="en-GB" smtClean="0"/>
-              <a:t>16/03/2023</a:t>
+              <a:t>20/04/2023</a:t>
             </a:fld>
             <a:endParaRPr lang="en-GB"/>
           </a:p>
@@ -3812,7 +3896,7 @@
           <a:p>
             <a:fld id="{D2420793-031C-4ADB-A567-DC1F189C180B}" type="datetimeFigureOut">
               <a:rPr lang="en-GB" smtClean="0"/>
-              <a:t>16/03/2023</a:t>
+              <a:t>20/04/2023</a:t>
             </a:fld>
             <a:endParaRPr lang="en-GB"/>
           </a:p>
@@ -4153,7 +4237,7 @@
           <a:p>
             <a:fld id="{D2420793-031C-4ADB-A567-DC1F189C180B}" type="datetimeFigureOut">
               <a:rPr lang="en-GB" smtClean="0"/>
-              <a:t>16/03/2023</a:t>
+              <a:t>20/04/2023</a:t>
             </a:fld>
             <a:endParaRPr lang="en-GB"/>
           </a:p>
@@ -4467,7 +4551,7 @@
           <a:p>
             <a:fld id="{D2420793-031C-4ADB-A567-DC1F189C180B}" type="datetimeFigureOut">
               <a:rPr lang="en-GB" smtClean="0"/>
-              <a:t>16/03/2023</a:t>
+              <a:t>20/04/2023</a:t>
             </a:fld>
             <a:endParaRPr lang="en-GB"/>
           </a:p>
@@ -4860,7 +4944,7 @@
           <a:p>
             <a:fld id="{D2420793-031C-4ADB-A567-DC1F189C180B}" type="datetimeFigureOut">
               <a:rPr lang="en-GB" smtClean="0"/>
-              <a:t>16/03/2023</a:t>
+              <a:t>20/04/2023</a:t>
             </a:fld>
             <a:endParaRPr lang="en-GB"/>
           </a:p>
@@ -5030,7 +5114,7 @@
           <a:p>
             <a:fld id="{D2420793-031C-4ADB-A567-DC1F189C180B}" type="datetimeFigureOut">
               <a:rPr lang="en-GB" smtClean="0"/>
-              <a:t>16/03/2023</a:t>
+              <a:t>20/04/2023</a:t>
             </a:fld>
             <a:endParaRPr lang="en-GB"/>
           </a:p>
@@ -5210,7 +5294,7 @@
           <a:p>
             <a:fld id="{D2420793-031C-4ADB-A567-DC1F189C180B}" type="datetimeFigureOut">
               <a:rPr lang="en-GB" smtClean="0"/>
-              <a:t>16/03/2023</a:t>
+              <a:t>20/04/2023</a:t>
             </a:fld>
             <a:endParaRPr lang="en-GB"/>
           </a:p>
@@ -5401,7 +5485,7 @@
           <a:p>
             <a:fld id="{D2420793-031C-4ADB-A567-DC1F189C180B}" type="datetimeFigureOut">
               <a:rPr lang="en-GB" smtClean="0"/>
-              <a:t>16/03/2023</a:t>
+              <a:t>20/04/2023</a:t>
             </a:fld>
             <a:endParaRPr lang="en-GB"/>
           </a:p>
@@ -5648,7 +5732,7 @@
           <a:p>
             <a:fld id="{D2420793-031C-4ADB-A567-DC1F189C180B}" type="datetimeFigureOut">
               <a:rPr lang="en-GB" smtClean="0"/>
-              <a:t>16/03/2023</a:t>
+              <a:t>20/04/2023</a:t>
             </a:fld>
             <a:endParaRPr lang="en-GB"/>
           </a:p>
@@ -5880,7 +5964,7 @@
           <a:p>
             <a:fld id="{D2420793-031C-4ADB-A567-DC1F189C180B}" type="datetimeFigureOut">
               <a:rPr lang="en-GB" smtClean="0"/>
-              <a:t>16/03/2023</a:t>
+              <a:t>20/04/2023</a:t>
             </a:fld>
             <a:endParaRPr lang="en-GB"/>
           </a:p>
@@ -6254,7 +6338,7 @@
           <a:p>
             <a:fld id="{D2420793-031C-4ADB-A567-DC1F189C180B}" type="datetimeFigureOut">
               <a:rPr lang="en-GB" smtClean="0"/>
-              <a:t>16/03/2023</a:t>
+              <a:t>20/04/2023</a:t>
             </a:fld>
             <a:endParaRPr lang="en-GB"/>
           </a:p>
@@ -6377,7 +6461,7 @@
           <a:p>
             <a:fld id="{D2420793-031C-4ADB-A567-DC1F189C180B}" type="datetimeFigureOut">
               <a:rPr lang="en-GB" smtClean="0"/>
-              <a:t>16/03/2023</a:t>
+              <a:t>20/04/2023</a:t>
             </a:fld>
             <a:endParaRPr lang="en-GB"/>
           </a:p>
@@ -6472,7 +6556,7 @@
           <a:p>
             <a:fld id="{D2420793-031C-4ADB-A567-DC1F189C180B}" type="datetimeFigureOut">
               <a:rPr lang="en-GB" smtClean="0"/>
-              <a:t>16/03/2023</a:t>
+              <a:t>20/04/2023</a:t>
             </a:fld>
             <a:endParaRPr lang="en-GB"/>
           </a:p>
@@ -6727,7 +6811,7 @@
           <a:p>
             <a:fld id="{D2420793-031C-4ADB-A567-DC1F189C180B}" type="datetimeFigureOut">
               <a:rPr lang="en-GB" smtClean="0"/>
-              <a:t>16/03/2023</a:t>
+              <a:t>20/04/2023</a:t>
             </a:fld>
             <a:endParaRPr lang="en-GB"/>
           </a:p>
@@ -6990,7 +7074,7 @@
           <a:p>
             <a:fld id="{D2420793-031C-4ADB-A567-DC1F189C180B}" type="datetimeFigureOut">
               <a:rPr lang="en-GB" smtClean="0"/>
-              <a:t>16/03/2023</a:t>
+              <a:t>20/04/2023</a:t>
             </a:fld>
             <a:endParaRPr lang="en-GB"/>
           </a:p>
@@ -7733,7 +7817,7 @@
           <a:p>
             <a:fld id="{D2420793-031C-4ADB-A567-DC1F189C180B}" type="datetimeFigureOut">
               <a:rPr lang="en-GB" smtClean="0"/>
-              <a:t>16/03/2023</a:t>
+              <a:t>20/04/2023</a:t>
             </a:fld>
             <a:endParaRPr lang="en-GB"/>
           </a:p>
@@ -12302,6 +12386,42 @@
           </a:p>
         </p:txBody>
       </p:sp>
+      <p:pic>
+        <p:nvPicPr>
+          <p:cNvPr id="5" name="Picture 4" descr="Chart, scatter chart&#10;&#10;Description automatically generated">
+            <a:extLst>
+              <a:ext uri="{FF2B5EF4-FFF2-40B4-BE49-F238E27FC236}">
+                <a16:creationId xmlns:a16="http://schemas.microsoft.com/office/drawing/2014/main" id="{7CDD16E8-E5EF-F8AC-6AEC-E67B0CA4C8DF}"/>
+              </a:ext>
+            </a:extLst>
+          </p:cNvPr>
+          <p:cNvPicPr>
+            <a:picLocks noChangeAspect="1"/>
+          </p:cNvPicPr>
+          <p:nvPr/>
+        </p:nvPicPr>
+        <p:blipFill>
+          <a:blip r:embed="rId3">
+            <a:extLst>
+              <a:ext uri="{28A0092B-C50C-407E-A947-70E740481C1C}">
+                <a14:useLocalDpi xmlns:a14="http://schemas.microsoft.com/office/drawing/2010/main" val="0"/>
+              </a:ext>
+            </a:extLst>
+          </a:blip>
+          <a:stretch>
+            <a:fillRect/>
+          </a:stretch>
+        </p:blipFill>
+        <p:spPr>
+          <a:xfrm>
+            <a:off x="770020" y="1121156"/>
+            <a:ext cx="10443411" cy="5303294"/>
+          </a:xfrm>
+          <a:prstGeom prst="rect">
+            <a:avLst/>
+          </a:prstGeom>
+        </p:spPr>
+      </p:pic>
     </p:spTree>
     <p:extLst>
       <p:ext uri="{BB962C8B-B14F-4D97-AF65-F5344CB8AC3E}">
@@ -18021,13 +18141,7 @@
           <a:p>
             <a:r>
               <a:rPr lang="en-GB" dirty="0"/>
-              <a:t>Massive models trained on huge amounts of data</a:t>
-            </a:r>
-          </a:p>
-          <a:p>
-            <a:r>
-              <a:rPr lang="en-GB" dirty="0"/>
-              <a:t>Utilise Attention to achieve top quality results</a:t>
+              <a:t>Large-scale pre-trained model</a:t>
             </a:r>
           </a:p>
           <a:p>

--- a/Documents/Presentation/Presentation Draft.pptx
+++ b/Documents/Presentation/Presentation Draft.pptx
@@ -5,10 +5,10 @@
     <p:sldMasterId id="2147483701" r:id="rId1"/>
   </p:sldMasterIdLst>
   <p:notesMasterIdLst>
-    <p:notesMasterId r:id="rId31"/>
+    <p:notesMasterId r:id="rId34"/>
   </p:notesMasterIdLst>
   <p:handoutMasterIdLst>
-    <p:handoutMasterId r:id="rId32"/>
+    <p:handoutMasterId r:id="rId35"/>
   </p:handoutMasterIdLst>
   <p:sldIdLst>
     <p:sldId id="256" r:id="rId2"/>
@@ -20,8 +20,8 @@
     <p:sldId id="274" r:id="rId8"/>
     <p:sldId id="289" r:id="rId9"/>
     <p:sldId id="276" r:id="rId10"/>
-    <p:sldId id="296" r:id="rId11"/>
-    <p:sldId id="298" r:id="rId12"/>
+    <p:sldId id="298" r:id="rId11"/>
+    <p:sldId id="296" r:id="rId12"/>
     <p:sldId id="297" r:id="rId13"/>
     <p:sldId id="275" r:id="rId14"/>
     <p:sldId id="288" r:id="rId15"/>
@@ -40,6 +40,9 @@
     <p:sldId id="290" r:id="rId28"/>
     <p:sldId id="291" r:id="rId29"/>
     <p:sldId id="294" r:id="rId30"/>
+    <p:sldId id="300" r:id="rId31"/>
+    <p:sldId id="301" r:id="rId32"/>
+    <p:sldId id="302" r:id="rId33"/>
   </p:sldIdLst>
   <p:sldSz cx="12192000" cy="6858000"/>
   <p:notesSz cx="6858000" cy="9144000"/>
@@ -243,7 +246,7 @@
           <a:p>
             <a:fld id="{02F56A17-B4CD-4C7D-9388-F0FE325049E6}" type="datetimeFigureOut">
               <a:rPr lang="en-GB" smtClean="0"/>
-              <a:t>20/04/2023</a:t>
+              <a:t>26/04/2023</a:t>
             </a:fld>
             <a:endParaRPr lang="en-GB"/>
           </a:p>
@@ -420,7 +423,7 @@
           <a:p>
             <a:fld id="{40BC3938-7338-4383-8557-333A40433B41}" type="datetimeFigureOut">
               <a:rPr lang="en-GB" smtClean="0"/>
-              <a:t>20/04/2023</a:t>
+              <a:t>26/04/2023</a:t>
             </a:fld>
             <a:endParaRPr lang="en-GB"/>
           </a:p>
@@ -732,10 +735,7 @@
           <a:bodyPr/>
           <a:lstStyle/>
           <a:p>
-            <a:r>
-              <a:rPr lang="en-GB" dirty="0"/>
-              <a:t>Continual Learning Techniques for Image Classification</a:t>
-            </a:r>
+            <a:endParaRPr lang="en-GB" dirty="0"/>
           </a:p>
         </p:txBody>
       </p:sp>
@@ -1939,103 +1939,12 @@
                 <a:spcPts val="1200"/>
               </a:spcBef>
             </a:pPr>
-            <a:r>
-              <a:rPr lang="en-GB" sz="1800" dirty="0">
-                <a:effectLst/>
-                <a:latin typeface="Calibri" panose="020F0502020204030204" pitchFamily="34" charset="0"/>
-                <a:ea typeface="Calibri" panose="020F0502020204030204" pitchFamily="34" charset="0"/>
-                <a:cs typeface="Times New Roman" panose="02020603050405020304" pitchFamily="18" charset="0"/>
-              </a:rPr>
-              <a:t>In this example, I have split the CIFAR-10 dataset into 5 disjoint tasks, each containing 2 classes without replacement. A ResNet-18 model is then trained sequentially on the tasks for 20 epochs each. </a:t>
-            </a:r>
-            <a:r>
-              <a:rPr lang="en-GB" sz="1800" b="1" dirty="0">
-                <a:effectLst/>
-                <a:latin typeface="Calibri" panose="020F0502020204030204" pitchFamily="34" charset="0"/>
-                <a:ea typeface="Calibri" panose="020F0502020204030204" pitchFamily="34" charset="0"/>
-                <a:cs typeface="Times New Roman" panose="02020603050405020304" pitchFamily="18" charset="0"/>
-              </a:rPr>
-              <a:t>[Use Laser]</a:t>
-            </a:r>
-            <a:r>
-              <a:rPr lang="en-GB" sz="1800" dirty="0">
-                <a:effectLst/>
-                <a:latin typeface="Calibri" panose="020F0502020204030204" pitchFamily="34" charset="0"/>
-                <a:ea typeface="Calibri" panose="020F0502020204030204" pitchFamily="34" charset="0"/>
-                <a:cs typeface="Times New Roman" panose="02020603050405020304" pitchFamily="18" charset="0"/>
-              </a:rPr>
-              <a:t> as you can see in Figure 3, the model forgets about the previous tasks and overwrites the knowledge.</a:t>
-            </a:r>
-          </a:p>
-          <a:p>
-            <a:pPr algn="just">
-              <a:lnSpc>
-                <a:spcPct val="107000"/>
-              </a:lnSpc>
-              <a:spcBef>
-                <a:spcPts val="1200"/>
-              </a:spcBef>
-            </a:pPr>
             <a:endParaRPr lang="en-GB" sz="1800" dirty="0">
               <a:effectLst/>
               <a:latin typeface="Calibri" panose="020F0502020204030204" pitchFamily="34" charset="0"/>
               <a:ea typeface="Calibri" panose="020F0502020204030204" pitchFamily="34" charset="0"/>
               <a:cs typeface="Times New Roman" panose="02020603050405020304" pitchFamily="18" charset="0"/>
             </a:endParaRPr>
-          </a:p>
-          <a:p>
-            <a:pPr algn="just">
-              <a:lnSpc>
-                <a:spcPct val="107000"/>
-              </a:lnSpc>
-              <a:spcBef>
-                <a:spcPts val="1200"/>
-              </a:spcBef>
-            </a:pPr>
-            <a:r>
-              <a:rPr lang="en-GB" sz="1800" dirty="0">
-                <a:effectLst/>
-                <a:latin typeface="Calibri" panose="020F0502020204030204" pitchFamily="34" charset="0"/>
-                <a:ea typeface="Calibri" panose="020F0502020204030204" pitchFamily="34" charset="0"/>
-                <a:cs typeface="Times New Roman" panose="02020603050405020304" pitchFamily="18" charset="0"/>
-              </a:rPr>
-              <a:t>The final graph shows the loss peaking as each new task is introduced and decreasing as the model is trained.</a:t>
-            </a:r>
-          </a:p>
-          <a:p>
-            <a:pPr algn="just">
-              <a:lnSpc>
-                <a:spcPct val="107000"/>
-              </a:lnSpc>
-              <a:spcBef>
-                <a:spcPts val="1200"/>
-              </a:spcBef>
-            </a:pPr>
-            <a:endParaRPr lang="en-GB" sz="1800" dirty="0">
-              <a:effectLst/>
-              <a:latin typeface="Calibri" panose="020F0502020204030204" pitchFamily="34" charset="0"/>
-              <a:ea typeface="Calibri" panose="020F0502020204030204" pitchFamily="34" charset="0"/>
-              <a:cs typeface="Times New Roman" panose="02020603050405020304" pitchFamily="18" charset="0"/>
-            </a:endParaRPr>
-          </a:p>
-          <a:p>
-            <a:pPr algn="just">
-              <a:lnSpc>
-                <a:spcPct val="107000"/>
-              </a:lnSpc>
-              <a:spcBef>
-                <a:spcPts val="1200"/>
-              </a:spcBef>
-            </a:pPr>
-            <a:r>
-              <a:rPr lang="en-GB" sz="1800" dirty="0">
-                <a:effectLst/>
-                <a:latin typeface="Calibri" panose="020F0502020204030204" pitchFamily="34" charset="0"/>
-                <a:ea typeface="Calibri" panose="020F0502020204030204" pitchFamily="34" charset="0"/>
-                <a:cs typeface="Times New Roman" panose="02020603050405020304" pitchFamily="18" charset="0"/>
-              </a:rPr>
-              <a:t>To-do: change the image with the updated version</a:t>
-            </a:r>
           </a:p>
         </p:txBody>
       </p:sp>
@@ -2127,50 +2036,12 @@
                 <a:spcPts val="1200"/>
               </a:spcBef>
             </a:pPr>
-            <a:r>
-              <a:rPr lang="en-GB" sz="1800" dirty="0">
-                <a:effectLst/>
-                <a:latin typeface="Calibri" panose="020F0502020204030204" pitchFamily="34" charset="0"/>
-                <a:ea typeface="Calibri" panose="020F0502020204030204" pitchFamily="34" charset="0"/>
-                <a:cs typeface="Times New Roman" panose="02020603050405020304" pitchFamily="18" charset="0"/>
-              </a:rPr>
-              <a:t>Continual Learning is the study of techniques to reduce the effect of Catastrophic Forgetting while trying to match the performance of Offline Training. Elastic Weight Consolidation, a technique that penalises changes to weights that are important to previous tasks, was one of the first techniques that gave rise to the field. </a:t>
-            </a:r>
-          </a:p>
-          <a:p>
-            <a:pPr algn="just">
-              <a:lnSpc>
-                <a:spcPct val="107000"/>
-              </a:lnSpc>
-              <a:spcBef>
-                <a:spcPts val="1200"/>
-              </a:spcBef>
-            </a:pPr>
             <a:endParaRPr lang="en-GB" sz="1800" dirty="0">
               <a:effectLst/>
               <a:latin typeface="Calibri" panose="020F0502020204030204" pitchFamily="34" charset="0"/>
               <a:ea typeface="Calibri" panose="020F0502020204030204" pitchFamily="34" charset="0"/>
               <a:cs typeface="Times New Roman" panose="02020603050405020304" pitchFamily="18" charset="0"/>
             </a:endParaRPr>
-          </a:p>
-          <a:p>
-            <a:pPr algn="just">
-              <a:lnSpc>
-                <a:spcPct val="107000"/>
-              </a:lnSpc>
-              <a:spcBef>
-                <a:spcPts val="1200"/>
-              </a:spcBef>
-            </a:pPr>
-            <a:r>
-              <a:rPr lang="en-GB" sz="1800" dirty="0">
-                <a:effectLst/>
-                <a:latin typeface="Calibri" panose="020F0502020204030204" pitchFamily="34" charset="0"/>
-                <a:ea typeface="Calibri" panose="020F0502020204030204" pitchFamily="34" charset="0"/>
-                <a:cs typeface="Times New Roman" panose="02020603050405020304" pitchFamily="18" charset="0"/>
-              </a:rPr>
-              <a:t>The literature since then has mainly focused on alternatives to Offline Training, but there has been a recent interest into how the architecture of a model may contribute to forgetting. The main difference from Offline Training is the relaxation of the requirement for the whole dataset to be present at training time.</a:t>
-            </a:r>
           </a:p>
         </p:txBody>
       </p:sp>
@@ -2467,6 +2338,24 @@
           <a:bodyPr/>
           <a:lstStyle/>
           <a:p>
+            <a:r>
+              <a:rPr lang="en-GB" dirty="0"/>
+              <a:t>NCM classification vs (Soft)max classification</a:t>
+            </a:r>
+          </a:p>
+          <a:p>
+            <a:r>
+              <a:rPr lang="en-GB" dirty="0"/>
+              <a:t>Why does SCL loss work well with NCM</a:t>
+            </a:r>
+          </a:p>
+          <a:p>
+            <a:r>
+              <a:rPr lang="en-GB" dirty="0"/>
+              <a:t>Quick overview of CE loss?</a:t>
+            </a:r>
+          </a:p>
+          <a:p>
             <a:endParaRPr lang="en-GB" dirty="0"/>
           </a:p>
         </p:txBody>
@@ -2497,7 +2386,7 @@
     </p:spTree>
     <p:extLst>
       <p:ext uri="{BB962C8B-B14F-4D97-AF65-F5344CB8AC3E}">
-        <p14:creationId xmlns:p14="http://schemas.microsoft.com/office/powerpoint/2010/main" val="3010532044"/>
+        <p14:creationId xmlns:p14="http://schemas.microsoft.com/office/powerpoint/2010/main" val="3668509292"/>
       </p:ext>
     </p:extLst>
   </p:cSld>
@@ -2551,24 +2440,6 @@
           <a:bodyPr/>
           <a:lstStyle/>
           <a:p>
-            <a:r>
-              <a:rPr lang="en-GB" dirty="0"/>
-              <a:t>NCM classification vs (Soft)max classification</a:t>
-            </a:r>
-          </a:p>
-          <a:p>
-            <a:r>
-              <a:rPr lang="en-GB" dirty="0"/>
-              <a:t>Why does SCL loss work well with NCM</a:t>
-            </a:r>
-          </a:p>
-          <a:p>
-            <a:r>
-              <a:rPr lang="en-GB" dirty="0"/>
-              <a:t>Quick overview of CE loss?</a:t>
-            </a:r>
-          </a:p>
-          <a:p>
             <a:endParaRPr lang="en-GB" dirty="0"/>
           </a:p>
         </p:txBody>
@@ -2599,7 +2470,7 @@
     </p:spTree>
     <p:extLst>
       <p:ext uri="{BB962C8B-B14F-4D97-AF65-F5344CB8AC3E}">
-        <p14:creationId xmlns:p14="http://schemas.microsoft.com/office/powerpoint/2010/main" val="3668509292"/>
+        <p14:creationId xmlns:p14="http://schemas.microsoft.com/office/powerpoint/2010/main" val="3010532044"/>
       </p:ext>
     </p:extLst>
   </p:cSld>
@@ -3331,7 +3202,7 @@
           <a:p>
             <a:fld id="{D2420793-031C-4ADB-A567-DC1F189C180B}" type="datetimeFigureOut">
               <a:rPr lang="en-GB" smtClean="0"/>
-              <a:t>20/04/2023</a:t>
+              <a:t>26/04/2023</a:t>
             </a:fld>
             <a:endParaRPr lang="en-GB"/>
           </a:p>
@@ -3582,7 +3453,7 @@
           <a:p>
             <a:fld id="{D2420793-031C-4ADB-A567-DC1F189C180B}" type="datetimeFigureOut">
               <a:rPr lang="en-GB" smtClean="0"/>
-              <a:t>20/04/2023</a:t>
+              <a:t>26/04/2023</a:t>
             </a:fld>
             <a:endParaRPr lang="en-GB"/>
           </a:p>
@@ -3896,7 +3767,7 @@
           <a:p>
             <a:fld id="{D2420793-031C-4ADB-A567-DC1F189C180B}" type="datetimeFigureOut">
               <a:rPr lang="en-GB" smtClean="0"/>
-              <a:t>20/04/2023</a:t>
+              <a:t>26/04/2023</a:t>
             </a:fld>
             <a:endParaRPr lang="en-GB"/>
           </a:p>
@@ -4237,7 +4108,7 @@
           <a:p>
             <a:fld id="{D2420793-031C-4ADB-A567-DC1F189C180B}" type="datetimeFigureOut">
               <a:rPr lang="en-GB" smtClean="0"/>
-              <a:t>20/04/2023</a:t>
+              <a:t>26/04/2023</a:t>
             </a:fld>
             <a:endParaRPr lang="en-GB"/>
           </a:p>
@@ -4551,7 +4422,7 @@
           <a:p>
             <a:fld id="{D2420793-031C-4ADB-A567-DC1F189C180B}" type="datetimeFigureOut">
               <a:rPr lang="en-GB" smtClean="0"/>
-              <a:t>20/04/2023</a:t>
+              <a:t>26/04/2023</a:t>
             </a:fld>
             <a:endParaRPr lang="en-GB"/>
           </a:p>
@@ -4944,7 +4815,7 @@
           <a:p>
             <a:fld id="{D2420793-031C-4ADB-A567-DC1F189C180B}" type="datetimeFigureOut">
               <a:rPr lang="en-GB" smtClean="0"/>
-              <a:t>20/04/2023</a:t>
+              <a:t>26/04/2023</a:t>
             </a:fld>
             <a:endParaRPr lang="en-GB"/>
           </a:p>
@@ -5114,7 +4985,7 @@
           <a:p>
             <a:fld id="{D2420793-031C-4ADB-A567-DC1F189C180B}" type="datetimeFigureOut">
               <a:rPr lang="en-GB" smtClean="0"/>
-              <a:t>20/04/2023</a:t>
+              <a:t>26/04/2023</a:t>
             </a:fld>
             <a:endParaRPr lang="en-GB"/>
           </a:p>
@@ -5294,7 +5165,7 @@
           <a:p>
             <a:fld id="{D2420793-031C-4ADB-A567-DC1F189C180B}" type="datetimeFigureOut">
               <a:rPr lang="en-GB" smtClean="0"/>
-              <a:t>20/04/2023</a:t>
+              <a:t>26/04/2023</a:t>
             </a:fld>
             <a:endParaRPr lang="en-GB"/>
           </a:p>
@@ -5485,7 +5356,7 @@
           <a:p>
             <a:fld id="{D2420793-031C-4ADB-A567-DC1F189C180B}" type="datetimeFigureOut">
               <a:rPr lang="en-GB" smtClean="0"/>
-              <a:t>20/04/2023</a:t>
+              <a:t>26/04/2023</a:t>
             </a:fld>
             <a:endParaRPr lang="en-GB"/>
           </a:p>
@@ -5732,7 +5603,7 @@
           <a:p>
             <a:fld id="{D2420793-031C-4ADB-A567-DC1F189C180B}" type="datetimeFigureOut">
               <a:rPr lang="en-GB" smtClean="0"/>
-              <a:t>20/04/2023</a:t>
+              <a:t>26/04/2023</a:t>
             </a:fld>
             <a:endParaRPr lang="en-GB"/>
           </a:p>
@@ -5964,7 +5835,7 @@
           <a:p>
             <a:fld id="{D2420793-031C-4ADB-A567-DC1F189C180B}" type="datetimeFigureOut">
               <a:rPr lang="en-GB" smtClean="0"/>
-              <a:t>20/04/2023</a:t>
+              <a:t>26/04/2023</a:t>
             </a:fld>
             <a:endParaRPr lang="en-GB"/>
           </a:p>
@@ -6338,7 +6209,7 @@
           <a:p>
             <a:fld id="{D2420793-031C-4ADB-A567-DC1F189C180B}" type="datetimeFigureOut">
               <a:rPr lang="en-GB" smtClean="0"/>
-              <a:t>20/04/2023</a:t>
+              <a:t>26/04/2023</a:t>
             </a:fld>
             <a:endParaRPr lang="en-GB"/>
           </a:p>
@@ -6461,7 +6332,7 @@
           <a:p>
             <a:fld id="{D2420793-031C-4ADB-A567-DC1F189C180B}" type="datetimeFigureOut">
               <a:rPr lang="en-GB" smtClean="0"/>
-              <a:t>20/04/2023</a:t>
+              <a:t>26/04/2023</a:t>
             </a:fld>
             <a:endParaRPr lang="en-GB"/>
           </a:p>
@@ -6556,7 +6427,7 @@
           <a:p>
             <a:fld id="{D2420793-031C-4ADB-A567-DC1F189C180B}" type="datetimeFigureOut">
               <a:rPr lang="en-GB" smtClean="0"/>
-              <a:t>20/04/2023</a:t>
+              <a:t>26/04/2023</a:t>
             </a:fld>
             <a:endParaRPr lang="en-GB"/>
           </a:p>
@@ -6811,7 +6682,7 @@
           <a:p>
             <a:fld id="{D2420793-031C-4ADB-A567-DC1F189C180B}" type="datetimeFigureOut">
               <a:rPr lang="en-GB" smtClean="0"/>
-              <a:t>20/04/2023</a:t>
+              <a:t>26/04/2023</a:t>
             </a:fld>
             <a:endParaRPr lang="en-GB"/>
           </a:p>
@@ -7074,7 +6945,7 @@
           <a:p>
             <a:fld id="{D2420793-031C-4ADB-A567-DC1F189C180B}" type="datetimeFigureOut">
               <a:rPr lang="en-GB" smtClean="0"/>
-              <a:t>20/04/2023</a:t>
+              <a:t>26/04/2023</a:t>
             </a:fld>
             <a:endParaRPr lang="en-GB"/>
           </a:p>
@@ -7817,7 +7688,7 @@
           <a:p>
             <a:fld id="{D2420793-031C-4ADB-A567-DC1F189C180B}" type="datetimeFigureOut">
               <a:rPr lang="en-GB" smtClean="0"/>
-              <a:t>20/04/2023</a:t>
+              <a:t>26/04/2023</a:t>
             </a:fld>
             <a:endParaRPr lang="en-GB"/>
           </a:p>
@@ -8461,7 +8332,7 @@
           <p:cNvPr id="2" name="Title 1">
             <a:extLst>
               <a:ext uri="{FF2B5EF4-FFF2-40B4-BE49-F238E27FC236}">
-                <a16:creationId xmlns:a16="http://schemas.microsoft.com/office/drawing/2014/main" id="{8F9ED6AC-6321-818C-2460-4B36141D67D1}"/>
+                <a16:creationId xmlns:a16="http://schemas.microsoft.com/office/drawing/2014/main" id="{DFC5DB40-CF0A-F3E2-D34F-961FFF2A25D3}"/>
               </a:ext>
             </a:extLst>
           </p:cNvPr>
@@ -8479,7 +8350,7 @@
           <a:p>
             <a:r>
               <a:rPr lang="en-GB" dirty="0"/>
-              <a:t>Classification Methods</a:t>
+              <a:t>Loss Functions</a:t>
             </a:r>
           </a:p>
         </p:txBody>
@@ -8489,7 +8360,7 @@
           <p:cNvPr id="3" name="Text Placeholder 2">
             <a:extLst>
               <a:ext uri="{FF2B5EF4-FFF2-40B4-BE49-F238E27FC236}">
-                <a16:creationId xmlns:a16="http://schemas.microsoft.com/office/drawing/2014/main" id="{3C497E66-F470-E151-F0A8-B8490AEC8D47}"/>
+                <a16:creationId xmlns:a16="http://schemas.microsoft.com/office/drawing/2014/main" id="{C5FEEEB1-690A-3F5D-430F-FB61C984AD58}"/>
               </a:ext>
             </a:extLst>
           </p:cNvPr>
@@ -8507,7 +8378,7 @@
           <a:p>
             <a:r>
               <a:rPr lang="en-GB" dirty="0"/>
-              <a:t>Nearest Class Mean</a:t>
+              <a:t>Supervised Contrastive Loss</a:t>
             </a:r>
           </a:p>
         </p:txBody>
@@ -8517,7 +8388,7 @@
           <p:cNvPr id="4" name="Content Placeholder 3">
             <a:extLst>
               <a:ext uri="{FF2B5EF4-FFF2-40B4-BE49-F238E27FC236}">
-                <a16:creationId xmlns:a16="http://schemas.microsoft.com/office/drawing/2014/main" id="{800454EE-62BB-8D7E-310B-A0ADB400162C}"/>
+                <a16:creationId xmlns:a16="http://schemas.microsoft.com/office/drawing/2014/main" id="{F6967D1A-D6AB-578C-7DE6-3C9C9B9BD4ED}"/>
               </a:ext>
             </a:extLst>
           </p:cNvPr>
@@ -8535,25 +8406,31 @@
           <a:p>
             <a:r>
               <a:rPr lang="en-GB" dirty="0"/>
-              <a:t>Average the feature vectors in memory</a:t>
+              <a:t>Used in SCR</a:t>
             </a:r>
           </a:p>
           <a:p>
             <a:r>
               <a:rPr lang="en-GB" dirty="0"/>
-              <a:t>Compute distance from sample to mean class vectors</a:t>
+              <a:t>Encourages classes to cluster in feature space</a:t>
             </a:r>
           </a:p>
           <a:p>
             <a:r>
               <a:rPr lang="en-GB" dirty="0"/>
-              <a:t>Closest mean determines class</a:t>
+              <a:t>Naturally NCM favours this setup</a:t>
             </a:r>
           </a:p>
           <a:p>
             <a:r>
               <a:rPr lang="en-GB" dirty="0"/>
-              <a:t>Requires feature space clustering</a:t>
+              <a:t>Alternative to CE loss</a:t>
+            </a:r>
+          </a:p>
+          <a:p>
+            <a:r>
+              <a:rPr lang="en-GB" dirty="0"/>
+              <a:t>Encourages separation of feature space cluster</a:t>
             </a:r>
           </a:p>
         </p:txBody>
@@ -8563,7 +8440,7 @@
           <p:cNvPr id="5" name="Text Placeholder 4">
             <a:extLst>
               <a:ext uri="{FF2B5EF4-FFF2-40B4-BE49-F238E27FC236}">
-                <a16:creationId xmlns:a16="http://schemas.microsoft.com/office/drawing/2014/main" id="{26ED5ECE-8AD6-6643-236F-82D122C1831B}"/>
+                <a16:creationId xmlns:a16="http://schemas.microsoft.com/office/drawing/2014/main" id="{7AC54737-3BC2-7B1C-8590-988339286786}"/>
               </a:ext>
             </a:extLst>
           </p:cNvPr>
@@ -8580,10 +8457,9 @@
           <a:lstStyle/>
           <a:p>
             <a:r>
-              <a:rPr lang="en-GB" dirty="0" err="1"/>
-              <a:t>Softmax</a:t>
-            </a:r>
-            <a:endParaRPr lang="en-GB" dirty="0"/>
+              <a:rPr lang="en-GB" dirty="0"/>
+              <a:t>Cross Entropy Loss</a:t>
+            </a:r>
           </a:p>
         </p:txBody>
       </p:sp>
@@ -8592,7 +8468,7 @@
           <p:cNvPr id="6" name="Content Placeholder 5">
             <a:extLst>
               <a:ext uri="{FF2B5EF4-FFF2-40B4-BE49-F238E27FC236}">
-                <a16:creationId xmlns:a16="http://schemas.microsoft.com/office/drawing/2014/main" id="{D022EF6A-4019-8EAF-95A8-D3AFF667D4E9}"/>
+                <a16:creationId xmlns:a16="http://schemas.microsoft.com/office/drawing/2014/main" id="{9AE04368-764F-CCEB-44EE-5A2F960A71D4}"/>
               </a:ext>
             </a:extLst>
           </p:cNvPr>
@@ -8610,13 +8486,19 @@
           <a:p>
             <a:r>
               <a:rPr lang="en-GB" dirty="0"/>
-              <a:t>Map output from the model to a probability distribution</a:t>
+              <a:t>Measure difference from expected probability distribution</a:t>
             </a:r>
           </a:p>
           <a:p>
             <a:r>
               <a:rPr lang="en-GB" dirty="0"/>
-              <a:t>Maximum determines class</a:t>
+              <a:t>Unpredictable feature space</a:t>
+            </a:r>
+          </a:p>
+          <a:p>
+            <a:r>
+              <a:rPr lang="en-GB" dirty="0"/>
+              <a:t>Good for typical multi-class classification</a:t>
             </a:r>
           </a:p>
         </p:txBody>
@@ -8624,7 +8506,7 @@
     </p:spTree>
     <p:extLst>
       <p:ext uri="{BB962C8B-B14F-4D97-AF65-F5344CB8AC3E}">
-        <p14:creationId xmlns:p14="http://schemas.microsoft.com/office/powerpoint/2010/main" val="2182431164"/>
+        <p14:creationId xmlns:p14="http://schemas.microsoft.com/office/powerpoint/2010/main" val="3339693391"/>
       </p:ext>
     </p:extLst>
   </p:cSld>
@@ -8656,7 +8538,7 @@
           <p:cNvPr id="2" name="Title 1">
             <a:extLst>
               <a:ext uri="{FF2B5EF4-FFF2-40B4-BE49-F238E27FC236}">
-                <a16:creationId xmlns:a16="http://schemas.microsoft.com/office/drawing/2014/main" id="{DFC5DB40-CF0A-F3E2-D34F-961FFF2A25D3}"/>
+                <a16:creationId xmlns:a16="http://schemas.microsoft.com/office/drawing/2014/main" id="{8F9ED6AC-6321-818C-2460-4B36141D67D1}"/>
               </a:ext>
             </a:extLst>
           </p:cNvPr>
@@ -8674,7 +8556,7 @@
           <a:p>
             <a:r>
               <a:rPr lang="en-GB" dirty="0"/>
-              <a:t>Loss Functions</a:t>
+              <a:t>Classification Methods</a:t>
             </a:r>
           </a:p>
         </p:txBody>
@@ -8684,7 +8566,7 @@
           <p:cNvPr id="3" name="Text Placeholder 2">
             <a:extLst>
               <a:ext uri="{FF2B5EF4-FFF2-40B4-BE49-F238E27FC236}">
-                <a16:creationId xmlns:a16="http://schemas.microsoft.com/office/drawing/2014/main" id="{C5FEEEB1-690A-3F5D-430F-FB61C984AD58}"/>
+                <a16:creationId xmlns:a16="http://schemas.microsoft.com/office/drawing/2014/main" id="{3C497E66-F470-E151-F0A8-B8490AEC8D47}"/>
               </a:ext>
             </a:extLst>
           </p:cNvPr>
@@ -8702,7 +8584,7 @@
           <a:p>
             <a:r>
               <a:rPr lang="en-GB" dirty="0"/>
-              <a:t>Supervised Contrastive Loss</a:t>
+              <a:t>Nearest Class Mean</a:t>
             </a:r>
           </a:p>
         </p:txBody>
@@ -8712,7 +8594,7 @@
           <p:cNvPr id="4" name="Content Placeholder 3">
             <a:extLst>
               <a:ext uri="{FF2B5EF4-FFF2-40B4-BE49-F238E27FC236}">
-                <a16:creationId xmlns:a16="http://schemas.microsoft.com/office/drawing/2014/main" id="{F6967D1A-D6AB-578C-7DE6-3C9C9B9BD4ED}"/>
+                <a16:creationId xmlns:a16="http://schemas.microsoft.com/office/drawing/2014/main" id="{800454EE-62BB-8D7E-310B-A0ADB400162C}"/>
               </a:ext>
             </a:extLst>
           </p:cNvPr>
@@ -8730,31 +8612,25 @@
           <a:p>
             <a:r>
               <a:rPr lang="en-GB" dirty="0"/>
-              <a:t>Used in SCR</a:t>
+              <a:t>Average the feature vectors in memory</a:t>
             </a:r>
           </a:p>
           <a:p>
             <a:r>
               <a:rPr lang="en-GB" dirty="0"/>
-              <a:t>Encourages classes to cluster in feature space</a:t>
+              <a:t>Compute distance from sample to mean class vectors</a:t>
             </a:r>
           </a:p>
           <a:p>
             <a:r>
               <a:rPr lang="en-GB" dirty="0"/>
-              <a:t>Naturally NCM favours this setup</a:t>
+              <a:t>Closest mean determines class</a:t>
             </a:r>
           </a:p>
           <a:p>
             <a:r>
               <a:rPr lang="en-GB" dirty="0"/>
-              <a:t>Alternative to CE loss</a:t>
-            </a:r>
-          </a:p>
-          <a:p>
-            <a:r>
-              <a:rPr lang="en-GB" dirty="0"/>
-              <a:t>Encourages separation of feature space cluster</a:t>
+              <a:t>Requires feature space clustering</a:t>
             </a:r>
           </a:p>
         </p:txBody>
@@ -8764,7 +8640,7 @@
           <p:cNvPr id="5" name="Text Placeholder 4">
             <a:extLst>
               <a:ext uri="{FF2B5EF4-FFF2-40B4-BE49-F238E27FC236}">
-                <a16:creationId xmlns:a16="http://schemas.microsoft.com/office/drawing/2014/main" id="{7AC54737-3BC2-7B1C-8590-988339286786}"/>
+                <a16:creationId xmlns:a16="http://schemas.microsoft.com/office/drawing/2014/main" id="{26ED5ECE-8AD6-6643-236F-82D122C1831B}"/>
               </a:ext>
             </a:extLst>
           </p:cNvPr>
@@ -8781,9 +8657,10 @@
           <a:lstStyle/>
           <a:p>
             <a:r>
-              <a:rPr lang="en-GB" dirty="0"/>
-              <a:t>Cross Entropy Loss</a:t>
-            </a:r>
+              <a:rPr lang="en-GB" dirty="0" err="1"/>
+              <a:t>Softmax</a:t>
+            </a:r>
+            <a:endParaRPr lang="en-GB" dirty="0"/>
           </a:p>
         </p:txBody>
       </p:sp>
@@ -8792,7 +8669,7 @@
           <p:cNvPr id="6" name="Content Placeholder 5">
             <a:extLst>
               <a:ext uri="{FF2B5EF4-FFF2-40B4-BE49-F238E27FC236}">
-                <a16:creationId xmlns:a16="http://schemas.microsoft.com/office/drawing/2014/main" id="{9AE04368-764F-CCEB-44EE-5A2F960A71D4}"/>
+                <a16:creationId xmlns:a16="http://schemas.microsoft.com/office/drawing/2014/main" id="{D022EF6A-4019-8EAF-95A8-D3AFF667D4E9}"/>
               </a:ext>
             </a:extLst>
           </p:cNvPr>
@@ -8810,19 +8687,13 @@
           <a:p>
             <a:r>
               <a:rPr lang="en-GB" dirty="0"/>
-              <a:t>Measure difference from expected probability distribution</a:t>
+              <a:t>Map output from the model to a probability distribution</a:t>
             </a:r>
           </a:p>
           <a:p>
             <a:r>
               <a:rPr lang="en-GB" dirty="0"/>
-              <a:t>Unpredictable feature space</a:t>
-            </a:r>
-          </a:p>
-          <a:p>
-            <a:r>
-              <a:rPr lang="en-GB" dirty="0"/>
-              <a:t>Good for typical multi-class classification</a:t>
+              <a:t>Maximum determines class</a:t>
             </a:r>
           </a:p>
         </p:txBody>
@@ -8830,7 +8701,7 @@
     </p:spTree>
     <p:extLst>
       <p:ext uri="{BB962C8B-B14F-4D97-AF65-F5344CB8AC3E}">
-        <p14:creationId xmlns:p14="http://schemas.microsoft.com/office/powerpoint/2010/main" val="3339693391"/>
+        <p14:creationId xmlns:p14="http://schemas.microsoft.com/office/powerpoint/2010/main" val="2182431164"/>
       </p:ext>
     </p:extLst>
   </p:cSld>
@@ -12677,36 +12548,6 @@
           </a:p>
         </p:txBody>
       </p:sp>
-      <p:pic>
-        <p:nvPicPr>
-          <p:cNvPr id="9" name="Picture 8">
-            <a:extLst>
-              <a:ext uri="{FF2B5EF4-FFF2-40B4-BE49-F238E27FC236}">
-                <a16:creationId xmlns:a16="http://schemas.microsoft.com/office/drawing/2014/main" id="{2C55C6BD-7A43-2B77-7D83-7B52914A2B7D}"/>
-              </a:ext>
-            </a:extLst>
-          </p:cNvPr>
-          <p:cNvPicPr>
-            <a:picLocks noChangeAspect="1"/>
-          </p:cNvPicPr>
-          <p:nvPr/>
-        </p:nvPicPr>
-        <p:blipFill>
-          <a:blip r:embed="rId2"/>
-          <a:stretch>
-            <a:fillRect/>
-          </a:stretch>
-        </p:blipFill>
-        <p:spPr>
-          <a:xfrm>
-            <a:off x="778042" y="1930400"/>
-            <a:ext cx="10635916" cy="3245301"/>
-          </a:xfrm>
-          <a:prstGeom prst="rect">
-            <a:avLst/>
-          </a:prstGeom>
-        </p:spPr>
-      </p:pic>
     </p:spTree>
     <p:extLst>
       <p:ext uri="{BB962C8B-B14F-4D97-AF65-F5344CB8AC3E}">
@@ -12765,36 +12606,6 @@
           </a:p>
         </p:txBody>
       </p:sp>
-      <p:pic>
-        <p:nvPicPr>
-          <p:cNvPr id="4" name="Picture 3">
-            <a:extLst>
-              <a:ext uri="{FF2B5EF4-FFF2-40B4-BE49-F238E27FC236}">
-                <a16:creationId xmlns:a16="http://schemas.microsoft.com/office/drawing/2014/main" id="{88A4D56F-D672-591E-CE98-A7B0F7A3C532}"/>
-              </a:ext>
-            </a:extLst>
-          </p:cNvPr>
-          <p:cNvPicPr>
-            <a:picLocks noChangeAspect="1"/>
-          </p:cNvPicPr>
-          <p:nvPr/>
-        </p:nvPicPr>
-        <p:blipFill>
-          <a:blip r:embed="rId2"/>
-          <a:stretch>
-            <a:fillRect/>
-          </a:stretch>
-        </p:blipFill>
-        <p:spPr>
-          <a:xfrm>
-            <a:off x="806918" y="1930400"/>
-            <a:ext cx="10578164" cy="3297090"/>
-          </a:xfrm>
-          <a:prstGeom prst="rect">
-            <a:avLst/>
-          </a:prstGeom>
-        </p:spPr>
-      </p:pic>
     </p:spTree>
     <p:extLst>
       <p:ext uri="{BB962C8B-B14F-4D97-AF65-F5344CB8AC3E}">
@@ -13046,6 +12857,259 @@
       <p:transition spd="slow" advTm="23611"/>
     </mc:Fallback>
   </mc:AlternateContent>
+</p:sld>
+</file>
+
+<file path=ppt/slides/slide30.xml><?xml version="1.0" encoding="utf-8"?>
+<p:sld xmlns:a="http://schemas.openxmlformats.org/drawingml/2006/main" xmlns:r="http://schemas.openxmlformats.org/officeDocument/2006/relationships" xmlns:p="http://schemas.openxmlformats.org/presentationml/2006/main">
+  <p:cSld>
+    <p:spTree>
+      <p:nvGrpSpPr>
+        <p:cNvPr id="1" name=""/>
+        <p:cNvGrpSpPr/>
+        <p:nvPr/>
+      </p:nvGrpSpPr>
+      <p:grpSpPr>
+        <a:xfrm>
+          <a:off x="0" y="0"/>
+          <a:ext cx="0" cy="0"/>
+          <a:chOff x="0" y="0"/>
+          <a:chExt cx="0" cy="0"/>
+        </a:xfrm>
+      </p:grpSpPr>
+      <p:sp>
+        <p:nvSpPr>
+          <p:cNvPr id="2" name="Title 1">
+            <a:extLst>
+              <a:ext uri="{FF2B5EF4-FFF2-40B4-BE49-F238E27FC236}">
+                <a16:creationId xmlns:a16="http://schemas.microsoft.com/office/drawing/2014/main" id="{9C41D4FB-26DC-B877-8F5B-5361A7353B2D}"/>
+              </a:ext>
+            </a:extLst>
+          </p:cNvPr>
+          <p:cNvSpPr>
+            <a:spLocks noGrp="1"/>
+          </p:cNvSpPr>
+          <p:nvPr>
+            <p:ph type="title"/>
+          </p:nvPr>
+        </p:nvSpPr>
+        <p:spPr/>
+        <p:txBody>
+          <a:bodyPr/>
+          <a:lstStyle/>
+          <a:p>
+            <a:r>
+              <a:rPr lang="en-GB" dirty="0"/>
+              <a:t>Evaluating Techniques</a:t>
+            </a:r>
+            <a:br>
+              <a:rPr lang="en-GB" dirty="0"/>
+            </a:br>
+            <a:endParaRPr lang="en-GB" dirty="0"/>
+          </a:p>
+        </p:txBody>
+      </p:sp>
+      <p:sp>
+        <p:nvSpPr>
+          <p:cNvPr id="3" name="Content Placeholder 2">
+            <a:extLst>
+              <a:ext uri="{FF2B5EF4-FFF2-40B4-BE49-F238E27FC236}">
+                <a16:creationId xmlns:a16="http://schemas.microsoft.com/office/drawing/2014/main" id="{7EA4690A-A3FE-A9A7-CBEA-A816F26160CD}"/>
+              </a:ext>
+            </a:extLst>
+          </p:cNvPr>
+          <p:cNvSpPr>
+            <a:spLocks noGrp="1"/>
+          </p:cNvSpPr>
+          <p:nvPr>
+            <p:ph idx="1"/>
+          </p:nvPr>
+        </p:nvSpPr>
+        <p:spPr/>
+        <p:txBody>
+          <a:bodyPr/>
+          <a:lstStyle/>
+          <a:p>
+            <a:endParaRPr lang="en-GB"/>
+          </a:p>
+        </p:txBody>
+      </p:sp>
+    </p:spTree>
+    <p:extLst>
+      <p:ext uri="{BB962C8B-B14F-4D97-AF65-F5344CB8AC3E}">
+        <p14:creationId xmlns:p14="http://schemas.microsoft.com/office/powerpoint/2010/main" val="3468431856"/>
+      </p:ext>
+    </p:extLst>
+  </p:cSld>
+  <p:clrMapOvr>
+    <a:masterClrMapping/>
+  </p:clrMapOvr>
+</p:sld>
+</file>
+
+<file path=ppt/slides/slide31.xml><?xml version="1.0" encoding="utf-8"?>
+<p:sld xmlns:a="http://schemas.openxmlformats.org/drawingml/2006/main" xmlns:r="http://schemas.openxmlformats.org/officeDocument/2006/relationships" xmlns:p="http://schemas.openxmlformats.org/presentationml/2006/main">
+  <p:cSld>
+    <p:spTree>
+      <p:nvGrpSpPr>
+        <p:cNvPr id="1" name=""/>
+        <p:cNvGrpSpPr/>
+        <p:nvPr/>
+      </p:nvGrpSpPr>
+      <p:grpSpPr>
+        <a:xfrm>
+          <a:off x="0" y="0"/>
+          <a:ext cx="0" cy="0"/>
+          <a:chOff x="0" y="0"/>
+          <a:chExt cx="0" cy="0"/>
+        </a:xfrm>
+      </p:grpSpPr>
+      <p:sp>
+        <p:nvSpPr>
+          <p:cNvPr id="2" name="Title 1">
+            <a:extLst>
+              <a:ext uri="{FF2B5EF4-FFF2-40B4-BE49-F238E27FC236}">
+                <a16:creationId xmlns:a16="http://schemas.microsoft.com/office/drawing/2014/main" id="{7349B3B9-D39A-074E-C8A7-4DE782ECE7BD}"/>
+              </a:ext>
+            </a:extLst>
+          </p:cNvPr>
+          <p:cNvSpPr>
+            <a:spLocks noGrp="1"/>
+          </p:cNvSpPr>
+          <p:nvPr>
+            <p:ph type="title"/>
+          </p:nvPr>
+        </p:nvSpPr>
+        <p:spPr/>
+        <p:txBody>
+          <a:bodyPr/>
+          <a:lstStyle/>
+          <a:p>
+            <a:r>
+              <a:rPr lang="en-GB" dirty="0"/>
+              <a:t>Difficulties</a:t>
+            </a:r>
+          </a:p>
+        </p:txBody>
+      </p:sp>
+      <p:sp>
+        <p:nvSpPr>
+          <p:cNvPr id="3" name="Content Placeholder 2">
+            <a:extLst>
+              <a:ext uri="{FF2B5EF4-FFF2-40B4-BE49-F238E27FC236}">
+                <a16:creationId xmlns:a16="http://schemas.microsoft.com/office/drawing/2014/main" id="{E75D35EF-8862-9F45-B8B1-6DA182367199}"/>
+              </a:ext>
+            </a:extLst>
+          </p:cNvPr>
+          <p:cNvSpPr>
+            <a:spLocks noGrp="1"/>
+          </p:cNvSpPr>
+          <p:nvPr>
+            <p:ph idx="1"/>
+          </p:nvPr>
+        </p:nvSpPr>
+        <p:spPr/>
+        <p:txBody>
+          <a:bodyPr/>
+          <a:lstStyle/>
+          <a:p>
+            <a:endParaRPr lang="en-GB"/>
+          </a:p>
+        </p:txBody>
+      </p:sp>
+    </p:spTree>
+    <p:extLst>
+      <p:ext uri="{BB962C8B-B14F-4D97-AF65-F5344CB8AC3E}">
+        <p14:creationId xmlns:p14="http://schemas.microsoft.com/office/powerpoint/2010/main" val="3515993147"/>
+      </p:ext>
+    </p:extLst>
+  </p:cSld>
+  <p:clrMapOvr>
+    <a:masterClrMapping/>
+  </p:clrMapOvr>
+</p:sld>
+</file>
+
+<file path=ppt/slides/slide32.xml><?xml version="1.0" encoding="utf-8"?>
+<p:sld xmlns:a="http://schemas.openxmlformats.org/drawingml/2006/main" xmlns:r="http://schemas.openxmlformats.org/officeDocument/2006/relationships" xmlns:p="http://schemas.openxmlformats.org/presentationml/2006/main">
+  <p:cSld>
+    <p:spTree>
+      <p:nvGrpSpPr>
+        <p:cNvPr id="1" name=""/>
+        <p:cNvGrpSpPr/>
+        <p:nvPr/>
+      </p:nvGrpSpPr>
+      <p:grpSpPr>
+        <a:xfrm>
+          <a:off x="0" y="0"/>
+          <a:ext cx="0" cy="0"/>
+          <a:chOff x="0" y="0"/>
+          <a:chExt cx="0" cy="0"/>
+        </a:xfrm>
+      </p:grpSpPr>
+      <p:sp>
+        <p:nvSpPr>
+          <p:cNvPr id="2" name="Title 1">
+            <a:extLst>
+              <a:ext uri="{FF2B5EF4-FFF2-40B4-BE49-F238E27FC236}">
+                <a16:creationId xmlns:a16="http://schemas.microsoft.com/office/drawing/2014/main" id="{13D6036A-1F7B-6F9C-41AF-4EF73E95B0BB}"/>
+              </a:ext>
+            </a:extLst>
+          </p:cNvPr>
+          <p:cNvSpPr>
+            <a:spLocks noGrp="1"/>
+          </p:cNvSpPr>
+          <p:nvPr>
+            <p:ph type="title"/>
+          </p:nvPr>
+        </p:nvSpPr>
+        <p:spPr/>
+        <p:txBody>
+          <a:bodyPr/>
+          <a:lstStyle/>
+          <a:p>
+            <a:r>
+              <a:rPr lang="en-GB" dirty="0"/>
+              <a:t>Extending the Project</a:t>
+            </a:r>
+          </a:p>
+        </p:txBody>
+      </p:sp>
+      <p:sp>
+        <p:nvSpPr>
+          <p:cNvPr id="3" name="Content Placeholder 2">
+            <a:extLst>
+              <a:ext uri="{FF2B5EF4-FFF2-40B4-BE49-F238E27FC236}">
+                <a16:creationId xmlns:a16="http://schemas.microsoft.com/office/drawing/2014/main" id="{67D2C85B-1FE3-9E3B-59BB-23B07BE2644E}"/>
+              </a:ext>
+            </a:extLst>
+          </p:cNvPr>
+          <p:cNvSpPr>
+            <a:spLocks noGrp="1"/>
+          </p:cNvSpPr>
+          <p:nvPr>
+            <p:ph idx="1"/>
+          </p:nvPr>
+        </p:nvSpPr>
+        <p:spPr/>
+        <p:txBody>
+          <a:bodyPr/>
+          <a:lstStyle/>
+          <a:p>
+            <a:endParaRPr lang="en-GB"/>
+          </a:p>
+        </p:txBody>
+      </p:sp>
+    </p:spTree>
+    <p:extLst>
+      <p:ext uri="{BB962C8B-B14F-4D97-AF65-F5344CB8AC3E}">
+        <p14:creationId xmlns:p14="http://schemas.microsoft.com/office/powerpoint/2010/main" val="2348411211"/>
+      </p:ext>
+    </p:extLst>
+  </p:cSld>
+  <p:clrMapOvr>
+    <a:masterClrMapping/>
+  </p:clrMapOvr>
 </p:sld>
 </file>
 
